--- a/Youtube Suggests.pptx
+++ b/Youtube Suggests.pptx
@@ -4193,6 +4193,27 @@
                 <a:hlinkClick r:id="rId2"/>
               </a:rPr>
               <a:t>/</a:t>
+            </a:r>
+            <a:endParaRPr lang="en-US" dirty="0" smtClean="0"/>
+          </a:p>
+          <a:p>
+            <a:r>
+              <a:rPr lang="en-US">
+                <a:hlinkClick r:id="rId3"/>
+              </a:rPr>
+              <a:t>https</a:t>
+            </a:r>
+            <a:r>
+              <a:rPr lang="en-US">
+                <a:hlinkClick r:id="rId3"/>
+              </a:rPr>
+              <a:t>://</a:t>
+            </a:r>
+            <a:r>
+              <a:rPr lang="en-US" smtClean="0">
+                <a:hlinkClick r:id="rId3"/>
+              </a:rPr>
+              <a:t>github.com/ManasaGajulavarthy/Intern_HMIT</a:t>
             </a:r>
             <a:endParaRPr lang="en-US" dirty="0" smtClean="0"/>
           </a:p>
